--- a/SignalProtocol.pptx
+++ b/SignalProtocol.pptx
@@ -21,9 +21,10 @@
     <p:sldId id="265" r:id="rId15"/>
     <p:sldId id="270" r:id="rId16"/>
     <p:sldId id="266" r:id="rId17"/>
-    <p:sldId id="267" r:id="rId18"/>
-    <p:sldId id="268" r:id="rId19"/>
-    <p:sldId id="269" r:id="rId20"/>
+    <p:sldId id="275" r:id="rId18"/>
+    <p:sldId id="267" r:id="rId19"/>
+    <p:sldId id="268" r:id="rId20"/>
+    <p:sldId id="269" r:id="rId21"/>
   </p:sldIdLst>
   <p:sldSz cx="12192000" cy="6858000"/>
   <p:notesSz cx="6858000" cy="9144000"/>
@@ -7095,6 +7096,69 @@
       </p:grpSpPr>
       <p:pic>
         <p:nvPicPr>
+          <p:cNvPr id="2" name="officeArt object">
+            <a:extLst>
+              <a:ext uri="{FF2B5EF4-FFF2-40B4-BE49-F238E27FC236}">
+                <a16:creationId xmlns:a16="http://schemas.microsoft.com/office/drawing/2014/main" id="{98FC73D9-7C30-9C49-A268-740A18D14ABE}"/>
+              </a:ext>
+            </a:extLst>
+          </p:cNvPr>
+          <p:cNvPicPr/>
+          <p:nvPr/>
+        </p:nvPicPr>
+        <p:blipFill>
+          <a:blip r:embed="rId2"/>
+          <a:stretch>
+            <a:fillRect/>
+          </a:stretch>
+        </p:blipFill>
+        <p:spPr>
+          <a:xfrm>
+            <a:off x="2991556" y="433070"/>
+            <a:ext cx="5977501" cy="6125774"/>
+          </a:xfrm>
+          <a:prstGeom prst="rect">
+            <a:avLst/>
+          </a:prstGeom>
+          <a:ln w="12700" cap="flat">
+            <a:noFill/>
+            <a:miter lim="400000"/>
+          </a:ln>
+          <a:effectLst/>
+        </p:spPr>
+      </p:pic>
+    </p:spTree>
+    <p:extLst>
+      <p:ext uri="{BB962C8B-B14F-4D97-AF65-F5344CB8AC3E}">
+        <p14:creationId xmlns:p14="http://schemas.microsoft.com/office/powerpoint/2010/main" val="2158342650"/>
+      </p:ext>
+    </p:extLst>
+  </p:cSld>
+  <p:clrMapOvr>
+    <a:masterClrMapping/>
+  </p:clrMapOvr>
+</p:sld>
+</file>
+
+<file path=ppt/slides/slide18.xml><?xml version="1.0" encoding="utf-8"?>
+<p:sld xmlns:a="http://schemas.openxmlformats.org/drawingml/2006/main" xmlns:r="http://schemas.openxmlformats.org/officeDocument/2006/relationships" xmlns:p="http://schemas.openxmlformats.org/presentationml/2006/main">
+  <p:cSld>
+    <p:spTree>
+      <p:nvGrpSpPr>
+        <p:cNvPr id="1" name=""/>
+        <p:cNvGrpSpPr/>
+        <p:nvPr/>
+      </p:nvGrpSpPr>
+      <p:grpSpPr>
+        <a:xfrm>
+          <a:off x="0" y="0"/>
+          <a:ext cx="0" cy="0"/>
+          <a:chOff x="0" y="0"/>
+          <a:chExt cx="0" cy="0"/>
+        </a:xfrm>
+      </p:grpSpPr>
+      <p:pic>
+        <p:nvPicPr>
           <p:cNvPr id="3" name="Picture 2">
             <a:extLst>
               <a:ext uri="{FF2B5EF4-FFF2-40B4-BE49-F238E27FC236}">
@@ -7135,7 +7199,7 @@
 </p:sld>
 </file>
 
-<file path=ppt/slides/slide18.xml><?xml version="1.0" encoding="utf-8"?>
+<file path=ppt/slides/slide19.xml><?xml version="1.0" encoding="utf-8"?>
 <p:sld xmlns:a="http://schemas.openxmlformats.org/drawingml/2006/main" xmlns:r="http://schemas.openxmlformats.org/officeDocument/2006/relationships" xmlns:p="http://schemas.openxmlformats.org/presentationml/2006/main">
   <p:cSld>
     <p:spTree>
@@ -7241,7 +7305,141 @@
 </p:sld>
 </file>
 
-<file path=ppt/slides/slide19.xml><?xml version="1.0" encoding="utf-8"?>
+<file path=ppt/slides/slide2.xml><?xml version="1.0" encoding="utf-8"?>
+<p:sld xmlns:a="http://schemas.openxmlformats.org/drawingml/2006/main" xmlns:r="http://schemas.openxmlformats.org/officeDocument/2006/relationships" xmlns:p="http://schemas.openxmlformats.org/presentationml/2006/main">
+  <p:cSld>
+    <p:spTree>
+      <p:nvGrpSpPr>
+        <p:cNvPr id="1" name=""/>
+        <p:cNvGrpSpPr/>
+        <p:nvPr/>
+      </p:nvGrpSpPr>
+      <p:grpSpPr>
+        <a:xfrm>
+          <a:off x="0" y="0"/>
+          <a:ext cx="0" cy="0"/>
+          <a:chOff x="0" y="0"/>
+          <a:chExt cx="0" cy="0"/>
+        </a:xfrm>
+      </p:grpSpPr>
+      <p:sp>
+        <p:nvSpPr>
+          <p:cNvPr id="2" name="Title 1">
+            <a:extLst>
+              <a:ext uri="{FF2B5EF4-FFF2-40B4-BE49-F238E27FC236}">
+                <a16:creationId xmlns:a16="http://schemas.microsoft.com/office/drawing/2014/main" id="{053AC3BA-245C-6941-92F0-6549453B23EF}"/>
+              </a:ext>
+            </a:extLst>
+          </p:cNvPr>
+          <p:cNvSpPr>
+            <a:spLocks noGrp="1"/>
+          </p:cNvSpPr>
+          <p:nvPr>
+            <p:ph type="title"/>
+          </p:nvPr>
+        </p:nvSpPr>
+        <p:spPr/>
+        <p:txBody>
+          <a:bodyPr/>
+          <a:lstStyle/>
+          <a:p>
+            <a:r>
+              <a:rPr lang="ru-RU" dirty="0"/>
+              <a:t>Цели и задачи</a:t>
+            </a:r>
+            <a:endParaRPr lang="en-BY" dirty="0"/>
+          </a:p>
+        </p:txBody>
+      </p:sp>
+      <p:sp>
+        <p:nvSpPr>
+          <p:cNvPr id="3" name="Content Placeholder 2">
+            <a:extLst>
+              <a:ext uri="{FF2B5EF4-FFF2-40B4-BE49-F238E27FC236}">
+                <a16:creationId xmlns:a16="http://schemas.microsoft.com/office/drawing/2014/main" id="{30B2B3BA-F666-B849-AA3E-9B974937D375}"/>
+              </a:ext>
+            </a:extLst>
+          </p:cNvPr>
+          <p:cNvSpPr>
+            <a:spLocks noGrp="1"/>
+          </p:cNvSpPr>
+          <p:nvPr>
+            <p:ph idx="1"/>
+          </p:nvPr>
+        </p:nvSpPr>
+        <p:spPr/>
+        <p:txBody>
+          <a:bodyPr/>
+          <a:lstStyle/>
+          <a:p>
+            <a:pPr lvl="0"/>
+            <a:r>
+              <a:rPr lang="ru-RU" dirty="0"/>
+              <a:t>Изучить и описать </a:t>
+            </a:r>
+            <a:r>
+              <a:rPr lang="en-US" dirty="0"/>
+              <a:t>Signal Protocol</a:t>
+            </a:r>
+          </a:p>
+          <a:p>
+            <a:r>
+              <a:rPr lang="ru-RU" dirty="0"/>
+              <a:t>Описать алгоритм сквозного шифрования</a:t>
+            </a:r>
+            <a:endParaRPr lang="en-BY" dirty="0"/>
+          </a:p>
+          <a:p>
+            <a:pPr lvl="0"/>
+            <a:r>
+              <a:rPr lang="ru-RU" dirty="0"/>
+              <a:t>Сравнить </a:t>
+            </a:r>
+            <a:r>
+              <a:rPr lang="en-US" dirty="0"/>
+              <a:t>Signal Protocol </a:t>
+            </a:r>
+            <a:r>
+              <a:rPr lang="ru-RU" dirty="0"/>
+              <a:t>и </a:t>
+            </a:r>
+            <a:r>
+              <a:rPr lang="en-US" dirty="0" err="1"/>
+              <a:t>MTProto</a:t>
+            </a:r>
+            <a:endParaRPr lang="en-BY" dirty="0"/>
+          </a:p>
+          <a:p>
+            <a:r>
+              <a:rPr lang="ru-RU" dirty="0"/>
+              <a:t>Реализовать приложение с криптосистемой протокола</a:t>
+            </a:r>
+            <a:r>
+              <a:rPr lang="en-BY" dirty="0"/>
+              <a:t>(</a:t>
+            </a:r>
+            <a:r>
+              <a:rPr lang="ru-RU" dirty="0"/>
+              <a:t>оказалась </a:t>
+            </a:r>
+            <a:endParaRPr lang="en-BY" dirty="0"/>
+          </a:p>
+        </p:txBody>
+      </p:sp>
+    </p:spTree>
+    <p:extLst>
+      <p:ext uri="{BB962C8B-B14F-4D97-AF65-F5344CB8AC3E}">
+        <p14:creationId xmlns:p14="http://schemas.microsoft.com/office/powerpoint/2010/main" val="3338155154"/>
+      </p:ext>
+    </p:extLst>
+  </p:cSld>
+  <p:clrMapOvr>
+    <a:masterClrMapping/>
+  </p:clrMapOvr>
+</p:sld>
+</file>
+
+<file path=ppt/slides/slide20.xml><?xml version="1.0" encoding="utf-8"?>
 <p:sld xmlns:a="http://schemas.openxmlformats.org/drawingml/2006/main" xmlns:r="http://schemas.openxmlformats.org/officeDocument/2006/relationships" xmlns:p="http://schemas.openxmlformats.org/presentationml/2006/main">
   <p:cSld>
     <p:spTree>
@@ -7320,140 +7518,6 @@
     <p:extLst>
       <p:ext uri="{BB962C8B-B14F-4D97-AF65-F5344CB8AC3E}">
         <p14:creationId xmlns:p14="http://schemas.microsoft.com/office/powerpoint/2010/main" val="506650770"/>
-      </p:ext>
-    </p:extLst>
-  </p:cSld>
-  <p:clrMapOvr>
-    <a:masterClrMapping/>
-  </p:clrMapOvr>
-</p:sld>
-</file>
-
-<file path=ppt/slides/slide2.xml><?xml version="1.0" encoding="utf-8"?>
-<p:sld xmlns:a="http://schemas.openxmlformats.org/drawingml/2006/main" xmlns:r="http://schemas.openxmlformats.org/officeDocument/2006/relationships" xmlns:p="http://schemas.openxmlformats.org/presentationml/2006/main">
-  <p:cSld>
-    <p:spTree>
-      <p:nvGrpSpPr>
-        <p:cNvPr id="1" name=""/>
-        <p:cNvGrpSpPr/>
-        <p:nvPr/>
-      </p:nvGrpSpPr>
-      <p:grpSpPr>
-        <a:xfrm>
-          <a:off x="0" y="0"/>
-          <a:ext cx="0" cy="0"/>
-          <a:chOff x="0" y="0"/>
-          <a:chExt cx="0" cy="0"/>
-        </a:xfrm>
-      </p:grpSpPr>
-      <p:sp>
-        <p:nvSpPr>
-          <p:cNvPr id="2" name="Title 1">
-            <a:extLst>
-              <a:ext uri="{FF2B5EF4-FFF2-40B4-BE49-F238E27FC236}">
-                <a16:creationId xmlns:a16="http://schemas.microsoft.com/office/drawing/2014/main" id="{053AC3BA-245C-6941-92F0-6549453B23EF}"/>
-              </a:ext>
-            </a:extLst>
-          </p:cNvPr>
-          <p:cNvSpPr>
-            <a:spLocks noGrp="1"/>
-          </p:cNvSpPr>
-          <p:nvPr>
-            <p:ph type="title"/>
-          </p:nvPr>
-        </p:nvSpPr>
-        <p:spPr/>
-        <p:txBody>
-          <a:bodyPr/>
-          <a:lstStyle/>
-          <a:p>
-            <a:r>
-              <a:rPr lang="ru-RU" dirty="0"/>
-              <a:t>Цели и задачи</a:t>
-            </a:r>
-            <a:endParaRPr lang="en-BY" dirty="0"/>
-          </a:p>
-        </p:txBody>
-      </p:sp>
-      <p:sp>
-        <p:nvSpPr>
-          <p:cNvPr id="3" name="Content Placeholder 2">
-            <a:extLst>
-              <a:ext uri="{FF2B5EF4-FFF2-40B4-BE49-F238E27FC236}">
-                <a16:creationId xmlns:a16="http://schemas.microsoft.com/office/drawing/2014/main" id="{30B2B3BA-F666-B849-AA3E-9B974937D375}"/>
-              </a:ext>
-            </a:extLst>
-          </p:cNvPr>
-          <p:cNvSpPr>
-            <a:spLocks noGrp="1"/>
-          </p:cNvSpPr>
-          <p:nvPr>
-            <p:ph idx="1"/>
-          </p:nvPr>
-        </p:nvSpPr>
-        <p:spPr/>
-        <p:txBody>
-          <a:bodyPr/>
-          <a:lstStyle/>
-          <a:p>
-            <a:pPr lvl="0"/>
-            <a:r>
-              <a:rPr lang="ru-RU" dirty="0"/>
-              <a:t>Изучить и описать </a:t>
-            </a:r>
-            <a:r>
-              <a:rPr lang="en-US" dirty="0"/>
-              <a:t>Signal Protocol</a:t>
-            </a:r>
-          </a:p>
-          <a:p>
-            <a:r>
-              <a:rPr lang="ru-RU" dirty="0"/>
-              <a:t>Описать алгоритм сквозного шифрования</a:t>
-            </a:r>
-            <a:endParaRPr lang="en-BY" dirty="0"/>
-          </a:p>
-          <a:p>
-            <a:pPr lvl="0"/>
-            <a:r>
-              <a:rPr lang="ru-RU" dirty="0"/>
-              <a:t>Сравнить </a:t>
-            </a:r>
-            <a:r>
-              <a:rPr lang="en-US" dirty="0"/>
-              <a:t>Signal Protocol </a:t>
-            </a:r>
-            <a:r>
-              <a:rPr lang="ru-RU" dirty="0"/>
-              <a:t>и </a:t>
-            </a:r>
-            <a:r>
-              <a:rPr lang="en-US" dirty="0" err="1"/>
-              <a:t>MTProto</a:t>
-            </a:r>
-            <a:endParaRPr lang="en-BY" dirty="0"/>
-          </a:p>
-          <a:p>
-            <a:r>
-              <a:rPr lang="ru-RU" dirty="0"/>
-              <a:t>Реализовать приложение с криптосистемой протокола</a:t>
-            </a:r>
-            <a:r>
-              <a:rPr lang="en-BY" dirty="0"/>
-              <a:t>(</a:t>
-            </a:r>
-            <a:r>
-              <a:rPr lang="ru-RU" dirty="0"/>
-              <a:t>оказалась </a:t>
-            </a:r>
-            <a:endParaRPr lang="en-BY" dirty="0"/>
-          </a:p>
-        </p:txBody>
-      </p:sp>
-    </p:spTree>
-    <p:extLst>
-      <p:ext uri="{BB962C8B-B14F-4D97-AF65-F5344CB8AC3E}">
-        <p14:creationId xmlns:p14="http://schemas.microsoft.com/office/powerpoint/2010/main" val="3338155154"/>
       </p:ext>
     </p:extLst>
   </p:cSld>
